--- a/Sprint Demo.pptx
+++ b/Sprint Demo.pptx
@@ -8,14 +8,16 @@
     <p:sldId id="256" r:id="rId2"/>
     <p:sldId id="258" r:id="rId3"/>
     <p:sldId id="260" r:id="rId4"/>
-    <p:sldId id="257" r:id="rId5"/>
-    <p:sldId id="262" r:id="rId6"/>
-    <p:sldId id="259" r:id="rId7"/>
-    <p:sldId id="263" r:id="rId8"/>
-    <p:sldId id="261" r:id="rId9"/>
-    <p:sldId id="265" r:id="rId10"/>
-    <p:sldId id="264" r:id="rId11"/>
-    <p:sldId id="266" r:id="rId12"/>
+    <p:sldId id="267" r:id="rId5"/>
+    <p:sldId id="257" r:id="rId6"/>
+    <p:sldId id="262" r:id="rId7"/>
+    <p:sldId id="259" r:id="rId8"/>
+    <p:sldId id="263" r:id="rId9"/>
+    <p:sldId id="261" r:id="rId10"/>
+    <p:sldId id="265" r:id="rId11"/>
+    <p:sldId id="264" r:id="rId12"/>
+    <p:sldId id="266" r:id="rId13"/>
+    <p:sldId id="268" r:id="rId14"/>
   </p:sldIdLst>
   <p:sldSz cx="9144000" cy="6858000" type="screen4x3"/>
   <p:notesSz cx="6858000" cy="9144000"/>
@@ -348,7 +350,7 @@
           <a:p>
             <a:fld id="{1778F24D-EB19-4AE0-B015-2BEA6D5224F2}" type="datetimeFigureOut">
               <a:rPr lang="en-US" smtClean="0"/>
-              <a:t>12/3/14</a:t>
+              <a:t>12/4/14</a:t>
             </a:fld>
             <a:endParaRPr lang="en-US"/>
           </a:p>
@@ -661,7 +663,7 @@
           <a:p>
             <a:fld id="{1778F24D-EB19-4AE0-B015-2BEA6D5224F2}" type="datetimeFigureOut">
               <a:rPr lang="en-US" smtClean="0"/>
-              <a:t>12/3/14</a:t>
+              <a:t>12/4/14</a:t>
             </a:fld>
             <a:endParaRPr lang="en-US"/>
           </a:p>
@@ -868,7 +870,7 @@
           <a:p>
             <a:fld id="{1778F24D-EB19-4AE0-B015-2BEA6D5224F2}" type="datetimeFigureOut">
               <a:rPr lang="en-US" smtClean="0"/>
-              <a:t>12/3/14</a:t>
+              <a:t>12/4/14</a:t>
             </a:fld>
             <a:endParaRPr lang="en-US"/>
           </a:p>
@@ -1073,7 +1075,7 @@
           <a:p>
             <a:fld id="{1778F24D-EB19-4AE0-B015-2BEA6D5224F2}" type="datetimeFigureOut">
               <a:rPr lang="en-US" smtClean="0"/>
-              <a:t>12/3/14</a:t>
+              <a:t>12/4/14</a:t>
             </a:fld>
             <a:endParaRPr lang="en-US"/>
           </a:p>
@@ -1268,7 +1270,7 @@
           <a:p>
             <a:fld id="{1778F24D-EB19-4AE0-B015-2BEA6D5224F2}" type="datetimeFigureOut">
               <a:rPr lang="en-US" smtClean="0"/>
-              <a:t>12/3/14</a:t>
+              <a:t>12/4/14</a:t>
             </a:fld>
             <a:endParaRPr lang="en-US"/>
           </a:p>
@@ -1538,7 +1540,7 @@
           <a:p>
             <a:fld id="{1778F24D-EB19-4AE0-B015-2BEA6D5224F2}" type="datetimeFigureOut">
               <a:rPr lang="en-US" smtClean="0"/>
-              <a:t>12/3/14</a:t>
+              <a:t>12/4/14</a:t>
             </a:fld>
             <a:endParaRPr lang="en-US"/>
           </a:p>
@@ -1849,7 +1851,7 @@
           <a:p>
             <a:fld id="{1778F24D-EB19-4AE0-B015-2BEA6D5224F2}" type="datetimeFigureOut">
               <a:rPr lang="en-US" smtClean="0"/>
-              <a:t>12/3/14</a:t>
+              <a:t>12/4/14</a:t>
             </a:fld>
             <a:endParaRPr lang="en-US"/>
           </a:p>
@@ -2310,7 +2312,7 @@
           <a:p>
             <a:fld id="{1778F24D-EB19-4AE0-B015-2BEA6D5224F2}" type="datetimeFigureOut">
               <a:rPr lang="en-US" smtClean="0"/>
-              <a:t>12/3/14</a:t>
+              <a:t>12/4/14</a:t>
             </a:fld>
             <a:endParaRPr lang="en-US"/>
           </a:p>
@@ -2449,7 +2451,7 @@
           <a:p>
             <a:fld id="{1778F24D-EB19-4AE0-B015-2BEA6D5224F2}" type="datetimeFigureOut">
               <a:rPr lang="en-US" smtClean="0"/>
-              <a:t>12/3/14</a:t>
+              <a:t>12/4/14</a:t>
             </a:fld>
             <a:endParaRPr lang="en-US"/>
           </a:p>
@@ -2565,7 +2567,7 @@
           <a:p>
             <a:fld id="{1778F24D-EB19-4AE0-B015-2BEA6D5224F2}" type="datetimeFigureOut">
               <a:rPr lang="en-US" smtClean="0"/>
-              <a:t>12/3/14</a:t>
+              <a:t>12/4/14</a:t>
             </a:fld>
             <a:endParaRPr lang="en-US"/>
           </a:p>
@@ -2851,7 +2853,7 @@
           <a:p>
             <a:fld id="{1778F24D-EB19-4AE0-B015-2BEA6D5224F2}" type="datetimeFigureOut">
               <a:rPr lang="en-US" smtClean="0"/>
-              <a:t>12/3/14</a:t>
+              <a:t>12/4/14</a:t>
             </a:fld>
             <a:endParaRPr lang="en-US"/>
           </a:p>
@@ -3189,7 +3191,7 @@
           <a:p>
             <a:fld id="{1778F24D-EB19-4AE0-B015-2BEA6D5224F2}" type="datetimeFigureOut">
               <a:rPr lang="en-US" smtClean="0"/>
-              <a:t>12/3/14</a:t>
+              <a:t>12/4/14</a:t>
             </a:fld>
             <a:endParaRPr lang="en-US"/>
           </a:p>
@@ -3465,7 +3467,7 @@
           <a:p>
             <a:fld id="{1778F24D-EB19-4AE0-B015-2BEA6D5224F2}" type="datetimeFigureOut">
               <a:rPr lang="en-US" smtClean="0"/>
-              <a:t>12/3/14</a:t>
+              <a:t>12/4/14</a:t>
             </a:fld>
             <a:endParaRPr lang="en-US"/>
           </a:p>
@@ -3971,6 +3973,66 @@
           <a:p>
             <a:r>
               <a:rPr lang="en-US" dirty="0" smtClean="0"/>
+              <a:t>Loading from XML</a:t>
+            </a:r>
+            <a:endParaRPr lang="en-US" dirty="0"/>
+          </a:p>
+        </p:txBody>
+      </p:sp>
+    </p:spTree>
+    <p:extLst>
+      <p:ext uri="{BB962C8B-B14F-4D97-AF65-F5344CB8AC3E}">
+        <p14:creationId xmlns:p14="http://schemas.microsoft.com/office/powerpoint/2010/main" val="914035407"/>
+      </p:ext>
+    </p:extLst>
+  </p:cSld>
+  <p:clrMapOvr>
+    <a:masterClrMapping/>
+  </p:clrMapOvr>
+  <p:timing>
+    <p:tnLst>
+      <p:par>
+        <p:cTn xmlns:p14="http://schemas.microsoft.com/office/powerpoint/2010/main" id="1" dur="indefinite" restart="never" nodeType="tmRoot"/>
+      </p:par>
+    </p:tnLst>
+  </p:timing>
+</p:sld>
+</file>
+
+<file path=ppt/slides/slide11.xml><?xml version="1.0" encoding="utf-8"?>
+<p:sld xmlns:a="http://schemas.openxmlformats.org/drawingml/2006/main" xmlns:r="http://schemas.openxmlformats.org/officeDocument/2006/relationships" xmlns:p="http://schemas.openxmlformats.org/presentationml/2006/main">
+  <p:cSld>
+    <p:spTree>
+      <p:nvGrpSpPr>
+        <p:cNvPr id="1" name=""/>
+        <p:cNvGrpSpPr/>
+        <p:nvPr/>
+      </p:nvGrpSpPr>
+      <p:grpSpPr>
+        <a:xfrm>
+          <a:off x="0" y="0"/>
+          <a:ext cx="0" cy="0"/>
+          <a:chOff x="0" y="0"/>
+          <a:chExt cx="0" cy="0"/>
+        </a:xfrm>
+      </p:grpSpPr>
+      <p:sp>
+        <p:nvSpPr>
+          <p:cNvPr id="2" name="Title 1"/>
+          <p:cNvSpPr>
+            <a:spLocks noGrp="1"/>
+          </p:cNvSpPr>
+          <p:nvPr>
+            <p:ph type="title"/>
+          </p:nvPr>
+        </p:nvSpPr>
+        <p:spPr/>
+        <p:txBody>
+          <a:bodyPr/>
+          <a:lstStyle/>
+          <a:p>
+            <a:r>
+              <a:rPr lang="en-US" dirty="0" smtClean="0"/>
               <a:t>Writing to XML</a:t>
             </a:r>
             <a:endParaRPr lang="en-US" dirty="0"/>
@@ -4068,7 +4130,7 @@
 </p:sld>
 </file>
 
-<file path=ppt/slides/slide11.xml><?xml version="1.0" encoding="utf-8"?>
+<file path=ppt/slides/slide12.xml><?xml version="1.0" encoding="utf-8"?>
 <p:sld xmlns:a="http://schemas.openxmlformats.org/drawingml/2006/main" xmlns:r="http://schemas.openxmlformats.org/officeDocument/2006/relationships" xmlns:p="http://schemas.openxmlformats.org/presentationml/2006/main">
   <p:cSld>
     <p:spTree>
@@ -4158,6 +4220,78 @@
 </p:sld>
 </file>
 
+<file path=ppt/slides/slide13.xml><?xml version="1.0" encoding="utf-8"?>
+<p:sld xmlns:a="http://schemas.openxmlformats.org/drawingml/2006/main" xmlns:r="http://schemas.openxmlformats.org/officeDocument/2006/relationships" xmlns:p="http://schemas.openxmlformats.org/presentationml/2006/main">
+  <p:cSld>
+    <p:spTree>
+      <p:nvGrpSpPr>
+        <p:cNvPr id="1" name=""/>
+        <p:cNvGrpSpPr/>
+        <p:nvPr/>
+      </p:nvGrpSpPr>
+      <p:grpSpPr>
+        <a:xfrm>
+          <a:off x="0" y="0"/>
+          <a:ext cx="0" cy="0"/>
+          <a:chOff x="0" y="0"/>
+          <a:chExt cx="0" cy="0"/>
+        </a:xfrm>
+      </p:grpSpPr>
+      <p:sp>
+        <p:nvSpPr>
+          <p:cNvPr id="2" name="Title 1"/>
+          <p:cNvSpPr>
+            <a:spLocks noGrp="1"/>
+          </p:cNvSpPr>
+          <p:nvPr>
+            <p:ph type="title"/>
+          </p:nvPr>
+        </p:nvSpPr>
+        <p:spPr/>
+        <p:txBody>
+          <a:bodyPr/>
+          <a:lstStyle/>
+          <a:p>
+            <a:r>
+              <a:rPr lang="en-US" dirty="0" smtClean="0"/>
+              <a:t>Sample Main</a:t>
+            </a:r>
+            <a:endParaRPr lang="en-US" dirty="0"/>
+          </a:p>
+        </p:txBody>
+      </p:sp>
+      <p:sp>
+        <p:nvSpPr>
+          <p:cNvPr id="7" name="Content Placeholder 6"/>
+          <p:cNvSpPr>
+            <a:spLocks noGrp="1"/>
+          </p:cNvSpPr>
+          <p:nvPr>
+            <p:ph idx="1"/>
+          </p:nvPr>
+        </p:nvSpPr>
+        <p:spPr/>
+        <p:txBody>
+          <a:bodyPr/>
+          <a:lstStyle/>
+          <a:p>
+            <a:endParaRPr lang="en-US"/>
+          </a:p>
+        </p:txBody>
+      </p:sp>
+    </p:spTree>
+    <p:extLst>
+      <p:ext uri="{BB962C8B-B14F-4D97-AF65-F5344CB8AC3E}">
+        <p14:creationId xmlns:p14="http://schemas.microsoft.com/office/powerpoint/2010/main" val="955044358"/>
+      </p:ext>
+    </p:extLst>
+  </p:cSld>
+  <p:clrMapOvr>
+    <a:masterClrMapping/>
+  </p:clrMapOvr>
+</p:sld>
+</file>
+
 <file path=ppt/slides/slide2.xml><?xml version="1.0" encoding="utf-8"?>
 <p:sld xmlns:a="http://schemas.openxmlformats.org/drawingml/2006/main" xmlns:r="http://schemas.openxmlformats.org/officeDocument/2006/relationships" xmlns:p="http://schemas.openxmlformats.org/presentationml/2006/main">
   <p:cSld>
@@ -4233,8 +4367,8 @@
         </p:nvSpPr>
         <p:spPr>
           <a:xfrm>
-            <a:off x="685800" y="2209799"/>
-            <a:ext cx="7770813" cy="1815882"/>
+            <a:off x="685800" y="2059395"/>
+            <a:ext cx="7770813" cy="3539431"/>
           </a:xfrm>
           <a:prstGeom prst="rect">
             <a:avLst/>
@@ -4249,9 +4383,20 @@
           <a:p>
             <a:r>
               <a:rPr lang="en-US" sz="2800" dirty="0" smtClean="0"/>
-              <a:t>Argument Parser use values entered into the command line. Those values are assigned to a predetermined argument for usage by the product owner.</a:t>
-            </a:r>
-            <a:endParaRPr lang="en-US" sz="2800" dirty="0"/>
+              <a:t>Argument Parser makes it possible for users to parse command line arguments. </a:t>
+            </a:r>
+            <a:r>
+              <a:rPr lang="en-US" sz="2800" dirty="0" smtClean="0"/>
+              <a:t>The product owner predefines the arguments, while the parser determines how exactly to parse the arguments.</a:t>
+            </a:r>
+            <a:r>
+              <a:rPr lang="en-US" sz="2800" dirty="0"/>
+              <a:t> </a:t>
+            </a:r>
+            <a:r>
+              <a:rPr lang="en-US" sz="2800" dirty="0" smtClean="0"/>
+              <a:t>In order to use the Argument Parser, the product owner must instantiate an instance of the Argument Parser and add the necessary arguments. </a:t>
+            </a:r>
           </a:p>
         </p:txBody>
       </p:sp>
@@ -4371,7 +4516,6 @@
               <a:rPr lang="en-US" dirty="0" smtClean="0"/>
               <a:t>Allow short names for optional arguments</a:t>
             </a:r>
-            <a:endParaRPr lang="en-US" dirty="0" smtClean="0"/>
           </a:p>
           <a:p>
             <a:endParaRPr lang="en-US" dirty="0" smtClean="0"/>
@@ -4489,6 +4633,94 @@
           <a:p>
             <a:r>
               <a:rPr lang="en-US" dirty="0" smtClean="0"/>
+              <a:t>Arguments</a:t>
+            </a:r>
+            <a:endParaRPr lang="en-US" dirty="0"/>
+          </a:p>
+        </p:txBody>
+      </p:sp>
+      <p:sp>
+        <p:nvSpPr>
+          <p:cNvPr id="7" name="Content Placeholder 6"/>
+          <p:cNvSpPr>
+            <a:spLocks noGrp="1"/>
+          </p:cNvSpPr>
+          <p:nvPr>
+            <p:ph idx="1"/>
+          </p:nvPr>
+        </p:nvSpPr>
+        <p:spPr/>
+        <p:txBody>
+          <a:bodyPr/>
+          <a:lstStyle/>
+          <a:p>
+            <a:r>
+              <a:rPr lang="en-US" dirty="0" smtClean="0"/>
+              <a:t>There are two types of arguments: positional and optional. </a:t>
+            </a:r>
+          </a:p>
+          <a:p>
+            <a:r>
+              <a:rPr lang="en-US" dirty="0" smtClean="0"/>
+              <a:t>Positional arguments (or simply arguments), are the arguments expected to be present by the parser.</a:t>
+            </a:r>
+          </a:p>
+          <a:p>
+            <a:r>
+              <a:rPr lang="en-US" dirty="0" smtClean="0"/>
+              <a:t>Optional arguments are arguments that may or may not be present, and can alter the results of the parser.</a:t>
+            </a:r>
+            <a:endParaRPr lang="en-US" dirty="0"/>
+          </a:p>
+        </p:txBody>
+      </p:sp>
+    </p:spTree>
+    <p:extLst>
+      <p:ext uri="{BB962C8B-B14F-4D97-AF65-F5344CB8AC3E}">
+        <p14:creationId xmlns:p14="http://schemas.microsoft.com/office/powerpoint/2010/main" val="4205133117"/>
+      </p:ext>
+    </p:extLst>
+  </p:cSld>
+  <p:clrMapOvr>
+    <a:masterClrMapping/>
+  </p:clrMapOvr>
+</p:sld>
+</file>
+
+<file path=ppt/slides/slide5.xml><?xml version="1.0" encoding="utf-8"?>
+<p:sld xmlns:a="http://schemas.openxmlformats.org/drawingml/2006/main" xmlns:r="http://schemas.openxmlformats.org/officeDocument/2006/relationships" xmlns:p="http://schemas.openxmlformats.org/presentationml/2006/main">
+  <p:cSld>
+    <p:spTree>
+      <p:nvGrpSpPr>
+        <p:cNvPr id="1" name=""/>
+        <p:cNvGrpSpPr/>
+        <p:nvPr/>
+      </p:nvGrpSpPr>
+      <p:grpSpPr>
+        <a:xfrm>
+          <a:off x="0" y="0"/>
+          <a:ext cx="0" cy="0"/>
+          <a:chOff x="0" y="0"/>
+          <a:chExt cx="0" cy="0"/>
+        </a:xfrm>
+      </p:grpSpPr>
+      <p:sp>
+        <p:nvSpPr>
+          <p:cNvPr id="2" name="Title 1"/>
+          <p:cNvSpPr>
+            <a:spLocks noGrp="1"/>
+          </p:cNvSpPr>
+          <p:nvPr>
+            <p:ph type="title"/>
+          </p:nvPr>
+        </p:nvSpPr>
+        <p:spPr/>
+        <p:txBody>
+          <a:bodyPr/>
+          <a:lstStyle/>
+          <a:p>
+            <a:r>
+              <a:rPr lang="en-US" dirty="0" smtClean="0"/>
               <a:t>Argument Features</a:t>
             </a:r>
             <a:endParaRPr lang="en-US" dirty="0"/>
@@ -4554,15 +4786,7 @@
             <a:pPr lvl="1"/>
             <a:r>
               <a:rPr lang="en-US" dirty="0" smtClean="0"/>
-              <a:t>Number of </a:t>
-            </a:r>
-            <a:r>
-              <a:rPr lang="en-US" dirty="0" smtClean="0"/>
-              <a:t>v</a:t>
-            </a:r>
-            <a:r>
-              <a:rPr lang="en-US" dirty="0" smtClean="0"/>
-              <a:t>alues</a:t>
+              <a:t>Number of values</a:t>
             </a:r>
           </a:p>
           <a:p>
@@ -4576,7 +4800,6 @@
               <a:rPr lang="en-US" dirty="0" smtClean="0"/>
               <a:t>Arguments can have a restricted set of values</a:t>
             </a:r>
-            <a:endParaRPr lang="en-US" dirty="0" smtClean="0"/>
           </a:p>
           <a:p>
             <a:pPr marL="0" indent="0">
@@ -4651,78 +4874,6 @@
 </p:sld>
 </file>
 
-<file path=ppt/slides/slide5.xml><?xml version="1.0" encoding="utf-8"?>
-<p:sld xmlns:a="http://schemas.openxmlformats.org/drawingml/2006/main" xmlns:r="http://schemas.openxmlformats.org/officeDocument/2006/relationships" xmlns:p="http://schemas.openxmlformats.org/presentationml/2006/main">
-  <p:cSld>
-    <p:spTree>
-      <p:nvGrpSpPr>
-        <p:cNvPr id="1" name=""/>
-        <p:cNvGrpSpPr/>
-        <p:nvPr/>
-      </p:nvGrpSpPr>
-      <p:grpSpPr>
-        <a:xfrm>
-          <a:off x="0" y="0"/>
-          <a:ext cx="0" cy="0"/>
-          <a:chOff x="0" y="0"/>
-          <a:chExt cx="0" cy="0"/>
-        </a:xfrm>
-      </p:grpSpPr>
-      <p:sp>
-        <p:nvSpPr>
-          <p:cNvPr id="2" name="Title 1"/>
-          <p:cNvSpPr>
-            <a:spLocks noGrp="1"/>
-          </p:cNvSpPr>
-          <p:nvPr>
-            <p:ph type="title"/>
-          </p:nvPr>
-        </p:nvSpPr>
-        <p:spPr/>
-        <p:txBody>
-          <a:bodyPr/>
-          <a:lstStyle/>
-          <a:p>
-            <a:r>
-              <a:rPr lang="en-US" dirty="0" smtClean="0"/>
-              <a:t>How to Add an Argument</a:t>
-            </a:r>
-            <a:endParaRPr lang="en-US" dirty="0"/>
-          </a:p>
-        </p:txBody>
-      </p:sp>
-      <p:sp>
-        <p:nvSpPr>
-          <p:cNvPr id="3" name="Content Placeholder 2"/>
-          <p:cNvSpPr>
-            <a:spLocks noGrp="1"/>
-          </p:cNvSpPr>
-          <p:nvPr>
-            <p:ph idx="1"/>
-          </p:nvPr>
-        </p:nvSpPr>
-        <p:spPr/>
-        <p:txBody>
-          <a:bodyPr/>
-          <a:lstStyle/>
-          <a:p>
-            <a:endParaRPr lang="en-US" dirty="0"/>
-          </a:p>
-        </p:txBody>
-      </p:sp>
-    </p:spTree>
-    <p:extLst>
-      <p:ext uri="{BB962C8B-B14F-4D97-AF65-F5344CB8AC3E}">
-        <p14:creationId xmlns:p14="http://schemas.microsoft.com/office/powerpoint/2010/main" val="2144308131"/>
-      </p:ext>
-    </p:extLst>
-  </p:cSld>
-  <p:clrMapOvr>
-    <a:masterClrMapping/>
-  </p:clrMapOvr>
-</p:sld>
-</file>
-
 <file path=ppt/slides/slide6.xml><?xml version="1.0" encoding="utf-8"?>
 <p:sld xmlns:a="http://schemas.openxmlformats.org/drawingml/2006/main" xmlns:r="http://schemas.openxmlformats.org/officeDocument/2006/relationships" xmlns:p="http://schemas.openxmlformats.org/presentationml/2006/main">
   <p:cSld>
@@ -4750,190 +4901,53 @@
             <p:ph type="title"/>
           </p:nvPr>
         </p:nvSpPr>
+        <p:spPr/>
+        <p:txBody>
+          <a:bodyPr/>
+          <a:lstStyle/>
+          <a:p>
+            <a:r>
+              <a:rPr lang="en-US" dirty="0" smtClean="0"/>
+              <a:t>How to Add an Argument</a:t>
+            </a:r>
+            <a:endParaRPr lang="en-US" dirty="0"/>
+          </a:p>
+        </p:txBody>
+      </p:sp>
+      <p:pic>
+        <p:nvPicPr>
+          <p:cNvPr id="4" name="Content Placeholder 3" descr="Screen Shot 2014-12-03 at 10.23.00 PM.png"/>
+          <p:cNvPicPr>
+            <a:picLocks noGrp="1" noChangeAspect="1"/>
+          </p:cNvPicPr>
+          <p:nvPr>
+            <p:ph idx="1"/>
+          </p:nvPr>
+        </p:nvPicPr>
+        <p:blipFill>
+          <a:blip r:embed="rId2">
+            <a:extLst>
+              <a:ext uri="{28A0092B-C50C-407E-A947-70E740481C1C}">
+                <a14:useLocalDpi xmlns:a14="http://schemas.microsoft.com/office/drawing/2010/main" val="0"/>
+              </a:ext>
+            </a:extLst>
+          </a:blip>
+          <a:srcRect t="-134971" b="-134971"/>
+          <a:stretch>
+            <a:fillRect/>
+          </a:stretch>
+        </p:blipFill>
         <p:spPr>
           <a:xfrm>
-            <a:off x="685800" y="67236"/>
-            <a:ext cx="7995976" cy="1371600"/>
+            <a:off x="685800" y="1604307"/>
+            <a:ext cx="7770813" cy="4578963"/>
           </a:xfrm>
         </p:spPr>
-        <p:txBody>
-          <a:bodyPr/>
-          <a:lstStyle/>
-          <a:p>
-            <a:r>
-              <a:rPr lang="en-US" dirty="0" smtClean="0"/>
-              <a:t>Optional Argument Features</a:t>
-            </a:r>
-            <a:endParaRPr lang="en-US" dirty="0"/>
-          </a:p>
-        </p:txBody>
-      </p:sp>
-      <p:sp>
-        <p:nvSpPr>
-          <p:cNvPr id="3" name="Content Placeholder 2"/>
-          <p:cNvSpPr>
-            <a:spLocks noGrp="1"/>
-          </p:cNvSpPr>
-          <p:nvPr>
-            <p:ph sz="half" idx="2"/>
-          </p:nvPr>
-        </p:nvSpPr>
-        <p:spPr/>
-        <p:txBody>
-          <a:bodyPr/>
-          <a:lstStyle/>
-          <a:p>
-            <a:r>
-              <a:rPr lang="en-US" dirty="0" smtClean="0"/>
-              <a:t>Optional arguments have the following attributes:</a:t>
-            </a:r>
-          </a:p>
-          <a:p>
-            <a:pPr lvl="1"/>
-            <a:r>
-              <a:rPr lang="en-US" dirty="0" smtClean="0"/>
-              <a:t>Title</a:t>
-            </a:r>
-          </a:p>
-          <a:p>
-            <a:pPr lvl="1"/>
-            <a:r>
-              <a:rPr lang="en-US" dirty="0" smtClean="0"/>
-              <a:t>Data type</a:t>
-            </a:r>
-          </a:p>
-          <a:p>
-            <a:pPr lvl="1"/>
-            <a:r>
-              <a:rPr lang="en-US" dirty="0" smtClean="0"/>
-              <a:t>Description</a:t>
-            </a:r>
-          </a:p>
-          <a:p>
-            <a:pPr lvl="1"/>
-            <a:r>
-              <a:rPr lang="en-US" dirty="0" smtClean="0"/>
-              <a:t>Value</a:t>
-            </a:r>
-          </a:p>
-          <a:p>
-            <a:pPr lvl="1"/>
-            <a:r>
-              <a:rPr lang="en-US" dirty="0" smtClean="0"/>
-              <a:t>Number of values</a:t>
-            </a:r>
-          </a:p>
-          <a:p>
-            <a:pPr lvl="1"/>
-            <a:r>
-              <a:rPr lang="en-US" dirty="0" smtClean="0"/>
-              <a:t>Shorthand name</a:t>
-            </a:r>
-          </a:p>
-          <a:p>
-            <a:pPr lvl="1"/>
-            <a:endParaRPr lang="en-US" dirty="0" smtClean="0"/>
-          </a:p>
-          <a:p>
-            <a:pPr lvl="1"/>
-            <a:endParaRPr lang="en-US" dirty="0" smtClean="0"/>
-          </a:p>
-          <a:p>
-            <a:pPr lvl="1"/>
-            <a:endParaRPr lang="en-US" dirty="0" smtClean="0"/>
-          </a:p>
-          <a:p>
-            <a:pPr marL="0" indent="0">
-              <a:buNone/>
-            </a:pPr>
-            <a:endParaRPr lang="en-US" dirty="0" smtClean="0"/>
-          </a:p>
-          <a:p>
-            <a:endParaRPr lang="en-US" dirty="0"/>
-          </a:p>
-        </p:txBody>
-      </p:sp>
-      <p:sp>
-        <p:nvSpPr>
-          <p:cNvPr id="6" name="Content Placeholder 5"/>
-          <p:cNvSpPr>
-            <a:spLocks noGrp="1"/>
-          </p:cNvSpPr>
-          <p:nvPr>
-            <p:ph sz="quarter" idx="4"/>
-          </p:nvPr>
-        </p:nvSpPr>
-        <p:spPr/>
-        <p:txBody>
-          <a:bodyPr>
-            <a:normAutofit lnSpcReduction="10000"/>
-          </a:bodyPr>
-          <a:lstStyle/>
-          <a:p>
-            <a:r>
-              <a:rPr lang="en-US" dirty="0" smtClean="0"/>
-              <a:t>Optional arguments can be:</a:t>
-            </a:r>
-          </a:p>
-          <a:p>
-            <a:pPr lvl="1"/>
-            <a:r>
-              <a:rPr lang="en-US" dirty="0" smtClean="0"/>
-              <a:t>Set as required</a:t>
-            </a:r>
-          </a:p>
-          <a:p>
-            <a:pPr lvl="1"/>
-            <a:r>
-              <a:rPr lang="en-US" dirty="0" smtClean="0"/>
-              <a:t>Put into mutually exclusive groups</a:t>
-            </a:r>
-          </a:p>
-          <a:p>
-            <a:pPr lvl="1"/>
-            <a:r>
-              <a:rPr lang="en-US" dirty="0"/>
-              <a:t>A</a:t>
-            </a:r>
-            <a:r>
-              <a:rPr lang="en-US" dirty="0" smtClean="0"/>
-              <a:t>ssigned a restricted set of values</a:t>
-            </a:r>
-          </a:p>
-          <a:p>
-            <a:pPr lvl="1"/>
-            <a:r>
-              <a:rPr lang="en-US" dirty="0" smtClean="0"/>
-              <a:t>Placed at any position in the command line</a:t>
-            </a:r>
-          </a:p>
-          <a:p>
-            <a:pPr lvl="1"/>
-            <a:r>
-              <a:rPr lang="en-US" dirty="0" smtClean="0"/>
-              <a:t>Assigned a default value</a:t>
-            </a:r>
-          </a:p>
-          <a:p>
-            <a:pPr lvl="1"/>
-            <a:r>
-              <a:rPr lang="en-US" dirty="0" smtClean="0"/>
-              <a:t>Set as a flag</a:t>
-            </a:r>
-          </a:p>
-          <a:p>
-            <a:pPr lvl="1"/>
-            <a:endParaRPr lang="en-US" dirty="0" smtClean="0"/>
-          </a:p>
-          <a:p>
-            <a:endParaRPr lang="en-US" dirty="0"/>
-          </a:p>
-        </p:txBody>
-      </p:sp>
+      </p:pic>
     </p:spTree>
     <p:extLst>
       <p:ext uri="{BB962C8B-B14F-4D97-AF65-F5344CB8AC3E}">
-        <p14:creationId xmlns:p14="http://schemas.microsoft.com/office/powerpoint/2010/main" val="2177380452"/>
+        <p14:creationId xmlns:p14="http://schemas.microsoft.com/office/powerpoint/2010/main" val="2144308131"/>
       </p:ext>
     </p:extLst>
   </p:cSld>
@@ -4979,8 +4993,8 @@
         </p:nvSpPr>
         <p:spPr>
           <a:xfrm>
-            <a:off x="0" y="67236"/>
-            <a:ext cx="9144000" cy="1371600"/>
+            <a:off x="685800" y="67236"/>
+            <a:ext cx="7995976" cy="1371600"/>
           </a:xfrm>
         </p:spPr>
         <p:txBody>
@@ -4989,7 +5003,7 @@
           <a:p>
             <a:r>
               <a:rPr lang="en-US" dirty="0" smtClean="0"/>
-              <a:t>How to Add an Optional Argument</a:t>
+              <a:t>Optional Argument Features</a:t>
             </a:r>
             <a:endParaRPr lang="en-US" dirty="0"/>
           </a:p>
@@ -5002,22 +5016,165 @@
             <a:spLocks noGrp="1"/>
           </p:cNvSpPr>
           <p:nvPr>
-            <p:ph idx="1"/>
-          </p:nvPr>
-        </p:nvSpPr>
-        <p:spPr/>
-        <p:txBody>
-          <a:bodyPr/>
-          <a:lstStyle/>
-          <a:p>
-            <a:endParaRPr lang="en-US"/>
+            <p:ph sz="half" idx="2"/>
+          </p:nvPr>
+        </p:nvSpPr>
+        <p:spPr/>
+        <p:txBody>
+          <a:bodyPr/>
+          <a:lstStyle/>
+          <a:p>
+            <a:r>
+              <a:rPr lang="en-US" dirty="0" smtClean="0"/>
+              <a:t>Optional arguments have the following attributes:</a:t>
+            </a:r>
+          </a:p>
+          <a:p>
+            <a:pPr lvl="1"/>
+            <a:r>
+              <a:rPr lang="en-US" dirty="0" smtClean="0"/>
+              <a:t>Title</a:t>
+            </a:r>
+          </a:p>
+          <a:p>
+            <a:pPr lvl="1"/>
+            <a:r>
+              <a:rPr lang="en-US" dirty="0" smtClean="0"/>
+              <a:t>Data type</a:t>
+            </a:r>
+          </a:p>
+          <a:p>
+            <a:pPr lvl="1"/>
+            <a:r>
+              <a:rPr lang="en-US" dirty="0" smtClean="0"/>
+              <a:t>Description</a:t>
+            </a:r>
+          </a:p>
+          <a:p>
+            <a:pPr lvl="1"/>
+            <a:r>
+              <a:rPr lang="en-US" dirty="0" smtClean="0"/>
+              <a:t>Value</a:t>
+            </a:r>
+          </a:p>
+          <a:p>
+            <a:pPr lvl="1"/>
+            <a:r>
+              <a:rPr lang="en-US" dirty="0" smtClean="0"/>
+              <a:t>Number of values</a:t>
+            </a:r>
+          </a:p>
+          <a:p>
+            <a:pPr lvl="1"/>
+            <a:r>
+              <a:rPr lang="en-US" dirty="0" smtClean="0"/>
+              <a:t>Shorthand name</a:t>
+            </a:r>
+          </a:p>
+          <a:p>
+            <a:pPr lvl="1"/>
+            <a:endParaRPr lang="en-US" dirty="0" smtClean="0"/>
+          </a:p>
+          <a:p>
+            <a:pPr lvl="1"/>
+            <a:endParaRPr lang="en-US" dirty="0" smtClean="0"/>
+          </a:p>
+          <a:p>
+            <a:pPr lvl="1"/>
+            <a:endParaRPr lang="en-US" dirty="0" smtClean="0"/>
+          </a:p>
+          <a:p>
+            <a:pPr marL="0" indent="0">
+              <a:buNone/>
+            </a:pPr>
+            <a:endParaRPr lang="en-US" dirty="0" smtClean="0"/>
+          </a:p>
+          <a:p>
+            <a:endParaRPr lang="en-US" dirty="0"/>
+          </a:p>
+        </p:txBody>
+      </p:sp>
+      <p:sp>
+        <p:nvSpPr>
+          <p:cNvPr id="6" name="Content Placeholder 5"/>
+          <p:cNvSpPr>
+            <a:spLocks noGrp="1"/>
+          </p:cNvSpPr>
+          <p:nvPr>
+            <p:ph sz="quarter" idx="4"/>
+          </p:nvPr>
+        </p:nvSpPr>
+        <p:spPr/>
+        <p:txBody>
+          <a:bodyPr>
+            <a:normAutofit lnSpcReduction="10000"/>
+          </a:bodyPr>
+          <a:lstStyle/>
+          <a:p>
+            <a:r>
+              <a:rPr lang="en-US" dirty="0" smtClean="0"/>
+              <a:t>Optional arguments can be:</a:t>
+            </a:r>
+          </a:p>
+          <a:p>
+            <a:pPr lvl="1"/>
+            <a:r>
+              <a:rPr lang="en-US" dirty="0" smtClean="0"/>
+              <a:t>Set as required</a:t>
+            </a:r>
+          </a:p>
+          <a:p>
+            <a:pPr lvl="1"/>
+            <a:r>
+              <a:rPr lang="en-US" dirty="0" smtClean="0"/>
+              <a:t>Put into mutually exclusive groups</a:t>
+            </a:r>
+          </a:p>
+          <a:p>
+            <a:pPr lvl="1"/>
+            <a:r>
+              <a:rPr lang="en-US" dirty="0"/>
+              <a:t>A</a:t>
+            </a:r>
+            <a:r>
+              <a:rPr lang="en-US" dirty="0" smtClean="0"/>
+              <a:t>ssigned a restricted set of values</a:t>
+            </a:r>
+          </a:p>
+          <a:p>
+            <a:pPr lvl="1"/>
+            <a:r>
+              <a:rPr lang="en-US" dirty="0" smtClean="0"/>
+              <a:t>Placed at any position in the command line</a:t>
+            </a:r>
+          </a:p>
+          <a:p>
+            <a:pPr lvl="1"/>
+            <a:r>
+              <a:rPr lang="en-US" dirty="0" smtClean="0"/>
+              <a:t>Assigned a default value</a:t>
+            </a:r>
+          </a:p>
+          <a:p>
+            <a:pPr lvl="1"/>
+            <a:r>
+              <a:rPr lang="en-US" dirty="0" smtClean="0"/>
+              <a:t>Set as a flag</a:t>
+            </a:r>
+          </a:p>
+          <a:p>
+            <a:pPr lvl="1"/>
+            <a:endParaRPr lang="en-US" dirty="0" smtClean="0"/>
+          </a:p>
+          <a:p>
+            <a:endParaRPr lang="en-US" dirty="0"/>
           </a:p>
         </p:txBody>
       </p:sp>
     </p:spTree>
     <p:extLst>
       <p:ext uri="{BB962C8B-B14F-4D97-AF65-F5344CB8AC3E}">
-        <p14:creationId xmlns:p14="http://schemas.microsoft.com/office/powerpoint/2010/main" val="2850727413"/>
+        <p14:creationId xmlns:p14="http://schemas.microsoft.com/office/powerpoint/2010/main" val="2177380452"/>
       </p:ext>
     </p:extLst>
   </p:cSld>
@@ -5061,33 +5218,10 @@
             <p:ph type="title"/>
           </p:nvPr>
         </p:nvSpPr>
-        <p:spPr/>
-        <p:txBody>
-          <a:bodyPr/>
-          <a:lstStyle/>
-          <a:p>
-            <a:r>
-              <a:rPr lang="en-US" dirty="0" smtClean="0"/>
-              <a:t>Loading from XML</a:t>
-            </a:r>
-            <a:endParaRPr lang="en-US" dirty="0"/>
-          </a:p>
-        </p:txBody>
-      </p:sp>
-      <p:sp>
-        <p:nvSpPr>
-          <p:cNvPr id="4" name="Content Placeholder 3"/>
-          <p:cNvSpPr>
-            <a:spLocks noGrp="1"/>
-          </p:cNvSpPr>
-          <p:nvPr>
-            <p:ph sz="half" idx="2"/>
-          </p:nvPr>
-        </p:nvSpPr>
         <p:spPr>
           <a:xfrm>
-            <a:off x="685800" y="2007028"/>
-            <a:ext cx="3657600" cy="3860372"/>
+            <a:off x="0" y="67236"/>
+            <a:ext cx="9144000" cy="1371600"/>
           </a:xfrm>
         </p:spPr>
         <p:txBody>
@@ -5096,21 +5230,7 @@
           <a:p>
             <a:r>
               <a:rPr lang="en-US" dirty="0" smtClean="0"/>
-              <a:t>Arguments and optional </a:t>
-            </a:r>
-            <a:r>
-              <a:rPr lang="en-US" dirty="0"/>
-              <a:t>a</a:t>
-            </a:r>
-            <a:r>
-              <a:rPr lang="en-US" dirty="0" smtClean="0"/>
-              <a:t>rguments can be read into Argument Parser from a previously formatted xml file</a:t>
-            </a:r>
-          </a:p>
-          <a:p>
-            <a:r>
-              <a:rPr lang="en-US" dirty="0" smtClean="0"/>
-              <a:t>XML file specified within the constructor</a:t>
+              <a:t>How to Add an Optional Argument</a:t>
             </a:r>
             <a:endParaRPr lang="en-US" dirty="0"/>
           </a:p>
@@ -5118,12 +5238,12 @@
       </p:sp>
       <p:pic>
         <p:nvPicPr>
-          <p:cNvPr id="8" name="Content Placeholder 6"/>
+          <p:cNvPr id="4" name="Content Placeholder 3" descr="Screen Shot 2014-12-03 at 10.21.22 PM.png"/>
           <p:cNvPicPr>
             <a:picLocks noGrp="1" noChangeAspect="1"/>
           </p:cNvPicPr>
           <p:nvPr>
-            <p:ph sz="quarter" idx="4"/>
+            <p:ph idx="1"/>
           </p:nvPr>
         </p:nvPicPr>
         <p:blipFill>
@@ -5134,22 +5254,22 @@
               </a:ext>
             </a:extLst>
           </a:blip>
-          <a:srcRect t="-24637" b="-24637"/>
+          <a:srcRect t="-56122" b="-56122"/>
           <a:stretch>
             <a:fillRect/>
           </a:stretch>
         </p:blipFill>
         <p:spPr>
           <a:xfrm>
-            <a:off x="4487045" y="1223034"/>
-            <a:ext cx="4370217" cy="5634966"/>
+            <a:off x="685800" y="1721289"/>
+            <a:ext cx="7770813" cy="4562252"/>
           </a:xfrm>
         </p:spPr>
       </p:pic>
     </p:spTree>
     <p:extLst>
       <p:ext uri="{BB962C8B-B14F-4D97-AF65-F5344CB8AC3E}">
-        <p14:creationId xmlns:p14="http://schemas.microsoft.com/office/powerpoint/2010/main" val="1872053861"/>
+        <p14:creationId xmlns:p14="http://schemas.microsoft.com/office/powerpoint/2010/main" val="2850727413"/>
       </p:ext>
     </p:extLst>
   </p:cSld>
@@ -5206,10 +5326,82 @@
           </a:p>
         </p:txBody>
       </p:sp>
+      <p:sp>
+        <p:nvSpPr>
+          <p:cNvPr id="4" name="Content Placeholder 3"/>
+          <p:cNvSpPr>
+            <a:spLocks noGrp="1"/>
+          </p:cNvSpPr>
+          <p:nvPr>
+            <p:ph sz="half" idx="2"/>
+          </p:nvPr>
+        </p:nvSpPr>
+        <p:spPr>
+          <a:xfrm>
+            <a:off x="685800" y="2007028"/>
+            <a:ext cx="3657600" cy="3860372"/>
+          </a:xfrm>
+        </p:spPr>
+        <p:txBody>
+          <a:bodyPr/>
+          <a:lstStyle/>
+          <a:p>
+            <a:r>
+              <a:rPr lang="en-US" dirty="0" smtClean="0"/>
+              <a:t>Arguments and optional </a:t>
+            </a:r>
+            <a:r>
+              <a:rPr lang="en-US" dirty="0"/>
+              <a:t>a</a:t>
+            </a:r>
+            <a:r>
+              <a:rPr lang="en-US" dirty="0" smtClean="0"/>
+              <a:t>rguments can be read into Argument Parser from a previously formatted xml file</a:t>
+            </a:r>
+          </a:p>
+          <a:p>
+            <a:r>
+              <a:rPr lang="en-US" dirty="0" smtClean="0"/>
+              <a:t>XML file specified within the constructor</a:t>
+            </a:r>
+            <a:endParaRPr lang="en-US" dirty="0"/>
+          </a:p>
+        </p:txBody>
+      </p:sp>
+      <p:pic>
+        <p:nvPicPr>
+          <p:cNvPr id="8" name="Content Placeholder 6"/>
+          <p:cNvPicPr>
+            <a:picLocks noGrp="1" noChangeAspect="1"/>
+          </p:cNvPicPr>
+          <p:nvPr>
+            <p:ph sz="quarter" idx="4"/>
+          </p:nvPr>
+        </p:nvPicPr>
+        <p:blipFill>
+          <a:blip r:embed="rId2">
+            <a:extLst>
+              <a:ext uri="{28A0092B-C50C-407E-A947-70E740481C1C}">
+                <a14:useLocalDpi xmlns:a14="http://schemas.microsoft.com/office/drawing/2010/main" val="0"/>
+              </a:ext>
+            </a:extLst>
+          </a:blip>
+          <a:srcRect t="-24637" b="-24637"/>
+          <a:stretch>
+            <a:fillRect/>
+          </a:stretch>
+        </p:blipFill>
+        <p:spPr>
+          <a:xfrm>
+            <a:off x="4487045" y="1223034"/>
+            <a:ext cx="4370217" cy="5634966"/>
+          </a:xfrm>
+        </p:spPr>
+      </p:pic>
     </p:spTree>
     <p:extLst>
       <p:ext uri="{BB962C8B-B14F-4D97-AF65-F5344CB8AC3E}">
-        <p14:creationId xmlns:p14="http://schemas.microsoft.com/office/powerpoint/2010/main" val="914035407"/>
+        <p14:creationId xmlns:p14="http://schemas.microsoft.com/office/powerpoint/2010/main" val="1872053861"/>
       </p:ext>
     </p:extLst>
   </p:cSld>

--- a/Sprint Demo.pptx
+++ b/Sprint Demo.pptx
@@ -14,10 +14,10 @@
     <p:sldId id="259" r:id="rId8"/>
     <p:sldId id="263" r:id="rId9"/>
     <p:sldId id="261" r:id="rId10"/>
-    <p:sldId id="265" r:id="rId11"/>
+    <p:sldId id="270" r:id="rId11"/>
     <p:sldId id="264" r:id="rId12"/>
     <p:sldId id="266" r:id="rId13"/>
-    <p:sldId id="268" r:id="rId14"/>
+    <p:sldId id="269" r:id="rId14"/>
   </p:sldIdLst>
   <p:sldSz cx="9144000" cy="6858000" type="screen4x3"/>
   <p:notesSz cx="6858000" cy="9144000"/>
@@ -3979,10 +3979,89 @@
           </a:p>
         </p:txBody>
       </p:sp>
+      <p:pic>
+        <p:nvPicPr>
+          <p:cNvPr id="7" name="Picture 6" descr="Screen Shot 2014-12-03 at 10.04.26 PM.png"/>
+          <p:cNvPicPr>
+            <a:picLocks noChangeAspect="1"/>
+          </p:cNvPicPr>
+          <p:nvPr/>
+        </p:nvPicPr>
+        <p:blipFill>
+          <a:blip r:embed="rId2">
+            <a:extLst>
+              <a:ext uri="{28A0092B-C50C-407E-A947-70E740481C1C}">
+                <a14:useLocalDpi xmlns:a14="http://schemas.microsoft.com/office/drawing/2010/main" val="0"/>
+              </a:ext>
+            </a:extLst>
+          </a:blip>
+          <a:stretch>
+            <a:fillRect/>
+          </a:stretch>
+        </p:blipFill>
+        <p:spPr>
+          <a:xfrm>
+            <a:off x="901700" y="1943455"/>
+            <a:ext cx="7340600" cy="4432300"/>
+          </a:xfrm>
+          <a:prstGeom prst="rect">
+            <a:avLst/>
+          </a:prstGeom>
+        </p:spPr>
+      </p:pic>
+      <p:sp>
+        <p:nvSpPr>
+          <p:cNvPr id="8" name="Rectangle 7"/>
+          <p:cNvSpPr/>
+          <p:nvPr/>
+        </p:nvSpPr>
+        <p:spPr>
+          <a:xfrm>
+            <a:off x="1944031" y="3324141"/>
+            <a:ext cx="6098613" cy="156799"/>
+          </a:xfrm>
+          <a:prstGeom prst="rect">
+            <a:avLst/>
+          </a:prstGeom>
+          <a:solidFill>
+            <a:schemeClr val="accent1">
+              <a:lumMod val="40000"/>
+              <a:lumOff val="60000"/>
+              <a:alpha val="49000"/>
+            </a:schemeClr>
+          </a:solidFill>
+          <a:ln>
+            <a:noFill/>
+          </a:ln>
+          <a:effectLst/>
+        </p:spPr>
+        <p:style>
+          <a:lnRef idx="1">
+            <a:schemeClr val="accent1"/>
+          </a:lnRef>
+          <a:fillRef idx="3">
+            <a:schemeClr val="accent1"/>
+          </a:fillRef>
+          <a:effectRef idx="2">
+            <a:schemeClr val="accent1"/>
+          </a:effectRef>
+          <a:fontRef idx="minor">
+            <a:schemeClr val="lt1"/>
+          </a:fontRef>
+        </p:style>
+        <p:txBody>
+          <a:bodyPr rtlCol="0" anchor="ctr"/>
+          <a:lstStyle/>
+          <a:p>
+            <a:pPr algn="ctr"/>
+            <a:endParaRPr lang="en-US"/>
+          </a:p>
+        </p:txBody>
+      </p:sp>
     </p:spTree>
     <p:extLst>
       <p:ext uri="{BB962C8B-B14F-4D97-AF65-F5344CB8AC3E}">
-        <p14:creationId xmlns:p14="http://schemas.microsoft.com/office/powerpoint/2010/main" val="914035407"/>
+        <p14:creationId xmlns:p14="http://schemas.microsoft.com/office/powerpoint/2010/main" val="936115315"/>
       </p:ext>
     </p:extLst>
   </p:cSld>
@@ -4260,35 +4339,53 @@
           </a:p>
         </p:txBody>
       </p:sp>
-      <p:sp>
-        <p:nvSpPr>
-          <p:cNvPr id="7" name="Content Placeholder 6"/>
-          <p:cNvSpPr>
-            <a:spLocks noGrp="1"/>
-          </p:cNvSpPr>
+      <p:pic>
+        <p:nvPicPr>
+          <p:cNvPr id="4" name="Content Placeholder 3" descr="Screen Shot 2014-12-03 at 10.00.33 PM.png"/>
+          <p:cNvPicPr>
+            <a:picLocks noGrp="1" noChangeAspect="1"/>
+          </p:cNvPicPr>
           <p:nvPr>
             <p:ph idx="1"/>
           </p:nvPr>
-        </p:nvSpPr>
-        <p:spPr/>
-        <p:txBody>
-          <a:bodyPr/>
-          <a:lstStyle/>
-          <a:p>
-            <a:endParaRPr lang="en-US"/>
-          </a:p>
-        </p:txBody>
-      </p:sp>
+        </p:nvPicPr>
+        <p:blipFill>
+          <a:blip r:embed="rId2">
+            <a:extLst>
+              <a:ext uri="{28A0092B-C50C-407E-A947-70E740481C1C}">
+                <a14:useLocalDpi xmlns:a14="http://schemas.microsoft.com/office/drawing/2010/main" val="0"/>
+              </a:ext>
+            </a:extLst>
+          </a:blip>
+          <a:srcRect l="-47183" r="-47183"/>
+          <a:stretch>
+            <a:fillRect/>
+          </a:stretch>
+        </p:blipFill>
+        <p:spPr>
+          <a:xfrm>
+            <a:off x="-2194875" y="1756149"/>
+            <a:ext cx="13529828" cy="4876451"/>
+          </a:xfrm>
+        </p:spPr>
+      </p:pic>
     </p:spTree>
     <p:extLst>
       <p:ext uri="{BB962C8B-B14F-4D97-AF65-F5344CB8AC3E}">
-        <p14:creationId xmlns:p14="http://schemas.microsoft.com/office/powerpoint/2010/main" val="955044358"/>
+        <p14:creationId xmlns:p14="http://schemas.microsoft.com/office/powerpoint/2010/main" val="1142167743"/>
       </p:ext>
     </p:extLst>
   </p:cSld>
   <p:clrMapOvr>
     <a:masterClrMapping/>
   </p:clrMapOvr>
+  <p:timing>
+    <p:tnLst>
+      <p:par>
+        <p:cTn xmlns:p14="http://schemas.microsoft.com/office/powerpoint/2010/main" id="1" dur="indefinite" restart="never" nodeType="tmRoot"/>
+      </p:par>
+    </p:tnLst>
+  </p:timing>
 </p:sld>
 </file>
 
@@ -4383,11 +4480,7 @@
           <a:p>
             <a:r>
               <a:rPr lang="en-US" sz="2800" dirty="0" smtClean="0"/>
-              <a:t>Argument Parser makes it possible for users to parse command line arguments. </a:t>
-            </a:r>
-            <a:r>
-              <a:rPr lang="en-US" sz="2800" dirty="0" smtClean="0"/>
-              <a:t>The product owner predefines the arguments, while the parser determines how exactly to parse the arguments.</a:t>
+              <a:t>Argument Parser makes it possible for users to parse command line arguments. The product owner predefines the arguments, while the parser determines how exactly to parse the arguments.</a:t>
             </a:r>
             <a:r>
               <a:rPr lang="en-US" sz="2800" dirty="0"/>
@@ -4662,7 +4755,15 @@
           <a:p>
             <a:r>
               <a:rPr lang="en-US" dirty="0" smtClean="0"/>
-              <a:t>Positional arguments (or simply arguments), are the arguments expected to be present by the parser.</a:t>
+              <a:t>Positional arguments (or </a:t>
+            </a:r>
+            <a:r>
+              <a:rPr lang="en-US" dirty="0" smtClean="0"/>
+              <a:t>simply arguments</a:t>
+            </a:r>
+            <a:r>
+              <a:rPr lang="en-US" dirty="0" smtClean="0"/>
+              <a:t>), are the arguments expected to be present by the parser.</a:t>
             </a:r>
           </a:p>
           <a:p>
